--- a/랜섬웨어 복구 도구 검증 소프트웨어.pptx
+++ b/랜섬웨어 복구 도구 검증 소프트웨어.pptx
@@ -12309,18 +12309,6 @@
               </a:rPr>
               <a:t>프로그래밍 </a:t>
             </a:r>
-            <a:r>
-              <a:rPr lang="en-US" altLang="ko-KR" dirty="0">
-                <a:ea typeface="굴림" pitchFamily="50" charset="-127"/>
-              </a:rPr>
-              <a:t>-</a:t>
-            </a:r>
-            <a:r>
-              <a:rPr lang="ko-KR" altLang="en-US" dirty="0" err="1">
-                <a:ea typeface="굴림" pitchFamily="50" charset="-127"/>
-              </a:rPr>
-              <a:t>최호성</a:t>
-            </a:r>
             <a:endParaRPr lang="en-US" altLang="ko-KR" dirty="0">
               <a:ea typeface="굴림" pitchFamily="50" charset="-127"/>
             </a:endParaRPr>
@@ -12344,18 +12332,6 @@
               </a:rPr>
               <a:t>이다 </a:t>
             </a:r>
-            <a:r>
-              <a:rPr lang="en-US" altLang="ko-KR" dirty="0">
-                <a:ea typeface="굴림" pitchFamily="50" charset="-127"/>
-              </a:rPr>
-              <a:t>-</a:t>
-            </a:r>
-            <a:r>
-              <a:rPr lang="ko-KR" altLang="en-US" dirty="0" err="1">
-                <a:ea typeface="굴림" pitchFamily="50" charset="-127"/>
-              </a:rPr>
-              <a:t>최호성</a:t>
-            </a:r>
             <a:endParaRPr lang="en-US" altLang="ko-KR" dirty="0">
               <a:ea typeface="굴림" pitchFamily="50" charset="-127"/>
             </a:endParaRPr>
@@ -12373,18 +12349,6 @@
               </a:rPr>
               <a:t>프로그래밍 </a:t>
             </a:r>
-            <a:r>
-              <a:rPr lang="en-US" altLang="ko-KR" dirty="0">
-                <a:ea typeface="굴림" pitchFamily="50" charset="-127"/>
-              </a:rPr>
-              <a:t>-</a:t>
-            </a:r>
-            <a:r>
-              <a:rPr lang="ko-KR" altLang="en-US" dirty="0" err="1">
-                <a:ea typeface="굴림" pitchFamily="50" charset="-127"/>
-              </a:rPr>
-              <a:t>최호성</a:t>
-            </a:r>
             <a:endParaRPr lang="en-US" altLang="ko-KR" dirty="0">
               <a:ea typeface="굴림" pitchFamily="50" charset="-127"/>
             </a:endParaRPr>
@@ -12431,54 +12395,8 @@
               <a:rPr lang="en-US" altLang="ko-KR" dirty="0">
                 <a:ea typeface="굴림" pitchFamily="50" charset="-127"/>
               </a:rPr>
-              <a:t> -</a:t>
-            </a:r>
-            <a:r>
-              <a:rPr lang="ko-KR" altLang="en-US" dirty="0" err="1">
-                <a:ea typeface="굴림" pitchFamily="50" charset="-127"/>
-              </a:rPr>
-              <a:t>배문일</a:t>
-            </a:r>
-            <a:r>
-              <a:rPr lang="en-US" altLang="ko-KR" dirty="0">
-                <a:ea typeface="굴림" pitchFamily="50" charset="-127"/>
-              </a:rPr>
-              <a:t>(</a:t>
-            </a:r>
-            <a:r>
-              <a:rPr lang="en-US" altLang="ko-KR" dirty="0">
-                <a:solidFill>
-                  <a:schemeClr val="bg1">
-                    <a:lumMod val="50000"/>
-                  </a:schemeClr>
-                </a:solidFill>
-                <a:ea typeface="굴림" pitchFamily="50" charset="-127"/>
-              </a:rPr>
-              <a:t>I</a:t>
-            </a:r>
-            <a:r>
-              <a:rPr lang="en-US" altLang="ko-KR" dirty="0">
-                <a:solidFill>
-                  <a:srgbClr val="C00000"/>
-                </a:solidFill>
-                <a:ea typeface="굴림" pitchFamily="50" charset="-127"/>
-              </a:rPr>
-              <a:t>L</a:t>
-            </a:r>
-            <a:r>
-              <a:rPr lang="en-US" altLang="ko-KR" dirty="0">
-                <a:ea typeface="굴림" pitchFamily="50" charset="-127"/>
-              </a:rPr>
-              <a:t>IT)</a:t>
-            </a:r>
-          </a:p>
-          <a:p>
-            <a:pPr marL="0" indent="0">
-              <a:buNone/>
-            </a:pPr>
-            <a:endParaRPr lang="en-US" altLang="ko-KR" dirty="0">
-              <a:ea typeface="굴림" pitchFamily="50" charset="-127"/>
-            </a:endParaRPr>
+              <a:t> </a:t>
+            </a:r>
           </a:p>
         </p:txBody>
       </p:sp>
